--- a/Lectures/Lecture2/lesson2.pptx
+++ b/Lectures/Lecture2/lesson2.pptx
@@ -592,6 +592,285 @@
 </p:notes>
 </file>
 
+<file path=ppt/notesSlides/notesSlide10.xml><?xml version="1.0" encoding="utf-8"?>
+<p:notes xmlns:a="http://schemas.openxmlformats.org/drawingml/2006/main" xmlns:r="http://schemas.openxmlformats.org/officeDocument/2006/relationships" xmlns:p="http://schemas.openxmlformats.org/presentationml/2006/main">
+  <p:cSld>
+    <p:spTree>
+      <p:nvGrpSpPr>
+        <p:cNvPr id="1" name=""/>
+        <p:cNvGrpSpPr/>
+        <p:nvPr/>
+      </p:nvGrpSpPr>
+      <p:grpSpPr>
+        <a:xfrm>
+          <a:off x="0" y="0"/>
+          <a:ext cx="0" cy="0"/>
+          <a:chOff x="0" y="0"/>
+          <a:chExt cx="0" cy="0"/>
+        </a:xfrm>
+      </p:grpSpPr>
+      <p:sp>
+        <p:nvSpPr>
+          <p:cNvPr id="2" name="Slide Image Placeholder 1"/>
+          <p:cNvSpPr>
+            <a:spLocks noGrp="1" noRot="1" noChangeAspect="1"/>
+          </p:cNvSpPr>
+          <p:nvPr>
+            <p:ph type="sldImg"/>
+          </p:nvPr>
+        </p:nvSpPr>
+        <p:spPr/>
+      </p:sp>
+      <p:sp>
+        <p:nvSpPr>
+          <p:cNvPr id="3" name="Notes Placeholder 2"/>
+          <p:cNvSpPr>
+            <a:spLocks noGrp="1"/>
+          </p:cNvSpPr>
+          <p:nvPr>
+            <p:ph type="body" idx="1"/>
+          </p:nvPr>
+        </p:nvSpPr>
+        <p:spPr/>
+        <p:txBody>
+          <a:bodyPr/>
+          <a:lstStyle/>
+          <a:p>
+            <a:pPr marL="0" marR="0" lvl="0" indent="0" algn="l" defTabSz="914400" rtl="0" eaLnBrk="1" fontAlgn="auto" latinLnBrk="0" hangingPunct="1">
+              <a:lnSpc>
+                <a:spcPct val="100000"/>
+              </a:lnSpc>
+              <a:spcBef>
+                <a:spcPts val="0"/>
+              </a:spcBef>
+              <a:spcAft>
+                <a:spcPts val="0"/>
+              </a:spcAft>
+              <a:buClrTx/>
+              <a:buSzTx/>
+              <a:buFontTx/>
+              <a:buNone/>
+              <a:tabLst/>
+              <a:defRPr/>
+            </a:pPr>
+            <a:r>
+              <a:rPr lang="en-US" dirty="0"/>
+              <a:t> </a:t>
+            </a:r>
+            <a:r>
+              <a:rPr lang="en-US" dirty="0" err="1"/>
+              <a:t>IQuarable</a:t>
+            </a:r>
+            <a:r>
+              <a:rPr lang="en-US" dirty="0"/>
+              <a:t>&lt;T&gt; </a:t>
+            </a:r>
+            <a:r>
+              <a:rPr lang="en-US" sz="1200" b="0" i="0" kern="1200" dirty="0">
+                <a:solidFill>
+                  <a:schemeClr val="tx1"/>
+                </a:solidFill>
+                <a:effectLst/>
+                <a:latin typeface="+mn-lt"/>
+                <a:ea typeface="+mn-ea"/>
+                <a:cs typeface="+mn-cs"/>
+              </a:rPr>
+              <a:t>You can transform an </a:t>
+            </a:r>
+            <a:r>
+              <a:rPr lang="en-US" sz="1200" b="0" i="0" kern="1200" dirty="0" err="1">
+                <a:solidFill>
+                  <a:schemeClr val="tx1"/>
+                </a:solidFill>
+                <a:effectLst/>
+                <a:latin typeface="+mn-lt"/>
+                <a:ea typeface="+mn-ea"/>
+                <a:cs typeface="+mn-cs"/>
+              </a:rPr>
+              <a:t>int</a:t>
+            </a:r>
+            <a:r>
+              <a:rPr lang="en-US" sz="1200" b="0" i="0" kern="1200" dirty="0">
+                <a:solidFill>
+                  <a:schemeClr val="tx1"/>
+                </a:solidFill>
+                <a:effectLst/>
+                <a:latin typeface="+mn-lt"/>
+                <a:ea typeface="+mn-ea"/>
+                <a:cs typeface="+mn-cs"/>
+              </a:rPr>
+              <a:t> -&gt; string or a </a:t>
+            </a:r>
+            <a:r>
+              <a:rPr lang="en-US" dirty="0"/>
+              <a:t>List&lt;</a:t>
+            </a:r>
+            <a:r>
+              <a:rPr lang="en-US" dirty="0" err="1"/>
+              <a:t>Int</a:t>
+            </a:r>
+            <a:r>
+              <a:rPr lang="en-US" dirty="0"/>
+              <a:t>&gt;</a:t>
+            </a:r>
+            <a:r>
+              <a:rPr lang="en-US" sz="1200" b="0" i="0" kern="1200" dirty="0">
+                <a:solidFill>
+                  <a:schemeClr val="tx1"/>
+                </a:solidFill>
+                <a:effectLst/>
+                <a:latin typeface="+mn-lt"/>
+                <a:ea typeface="+mn-ea"/>
+                <a:cs typeface="+mn-cs"/>
+              </a:rPr>
+              <a:t> to a </a:t>
+            </a:r>
+            <a:r>
+              <a:rPr lang="en-US" dirty="0"/>
+              <a:t>List&lt;string&gt;</a:t>
+            </a:r>
+            <a:r>
+              <a:rPr lang="en-US" sz="1200" b="0" i="0" kern="1200" dirty="0">
+                <a:solidFill>
+                  <a:schemeClr val="tx1"/>
+                </a:solidFill>
+                <a:effectLst/>
+                <a:latin typeface="+mn-lt"/>
+                <a:ea typeface="+mn-ea"/>
+                <a:cs typeface="+mn-cs"/>
+              </a:rPr>
+              <a:t>. This transformation </a:t>
+            </a:r>
+            <a:r>
+              <a:rPr lang="en-US" sz="1200" b="0" i="0" kern="1200" dirty="0" err="1">
+                <a:solidFill>
+                  <a:schemeClr val="tx1"/>
+                </a:solidFill>
+                <a:effectLst/>
+                <a:latin typeface="+mn-lt"/>
+                <a:ea typeface="+mn-ea"/>
+                <a:cs typeface="+mn-cs"/>
+              </a:rPr>
+              <a:t>pereserve</a:t>
+            </a:r>
+            <a:r>
+              <a:rPr lang="en-US" sz="1200" b="0" i="0" kern="1200" dirty="0">
+                <a:solidFill>
+                  <a:schemeClr val="tx1"/>
+                </a:solidFill>
+                <a:effectLst/>
+                <a:latin typeface="+mn-lt"/>
+                <a:ea typeface="+mn-ea"/>
+                <a:cs typeface="+mn-cs"/>
+              </a:rPr>
+              <a:t> the structure. This means that the resulting object is also a list, and the order of values within the lists doesn't change.</a:t>
+            </a:r>
+            <a:endParaRPr lang="en-US" dirty="0"/>
+          </a:p>
+          <a:p>
+            <a:pPr marL="0" marR="0" lvl="0" indent="0" algn="l" defTabSz="914400" rtl="0" eaLnBrk="1" fontAlgn="auto" latinLnBrk="0" hangingPunct="1">
+              <a:lnSpc>
+                <a:spcPct val="100000"/>
+              </a:lnSpc>
+              <a:spcBef>
+                <a:spcPts val="0"/>
+              </a:spcBef>
+              <a:spcAft>
+                <a:spcPts val="0"/>
+              </a:spcAft>
+              <a:buClrTx/>
+              <a:buSzTx/>
+              <a:buFontTx/>
+              <a:buNone/>
+              <a:tabLst/>
+              <a:defRPr/>
+            </a:pPr>
+            <a:endParaRPr lang="en-US" dirty="0"/>
+          </a:p>
+          <a:p>
+            <a:pPr marL="0" marR="0" lvl="0" indent="0" algn="l" defTabSz="914400" rtl="0" eaLnBrk="1" fontAlgn="auto" latinLnBrk="0" hangingPunct="1">
+              <a:lnSpc>
+                <a:spcPct val="100000"/>
+              </a:lnSpc>
+              <a:spcBef>
+                <a:spcPts val="0"/>
+              </a:spcBef>
+              <a:spcAft>
+                <a:spcPts val="0"/>
+              </a:spcAft>
+              <a:buClrTx/>
+              <a:buSzTx/>
+              <a:buFontTx/>
+              <a:buNone/>
+              <a:tabLst/>
+              <a:defRPr/>
+            </a:pPr>
+            <a:r>
+              <a:rPr lang="en-US" dirty="0" err="1"/>
+              <a:t>IQuerable</a:t>
+            </a:r>
+            <a:r>
+              <a:rPr lang="en-US" dirty="0"/>
+              <a:t>&lt;List&lt;</a:t>
+            </a:r>
+            <a:r>
+              <a:rPr lang="en-US" dirty="0" err="1"/>
+              <a:t>int</a:t>
+            </a:r>
+            <a:r>
+              <a:rPr lang="en-US" dirty="0"/>
+              <a:t>&gt;&gt; =&gt;  </a:t>
+            </a:r>
+            <a:r>
+              <a:rPr lang="en-US" dirty="0" err="1"/>
+              <a:t>IQuerable</a:t>
+            </a:r>
+            <a:r>
+              <a:rPr lang="en-US" dirty="0"/>
+              <a:t>&lt;List&lt;string&gt;&gt;</a:t>
+            </a:r>
+          </a:p>
+          <a:p>
+            <a:endParaRPr lang="en-US" dirty="0"/>
+          </a:p>
+        </p:txBody>
+      </p:sp>
+      <p:sp>
+        <p:nvSpPr>
+          <p:cNvPr id="4" name="Slide Number Placeholder 3"/>
+          <p:cNvSpPr>
+            <a:spLocks noGrp="1"/>
+          </p:cNvSpPr>
+          <p:nvPr>
+            <p:ph type="sldNum" sz="quarter" idx="5"/>
+          </p:nvPr>
+        </p:nvSpPr>
+        <p:spPr/>
+        <p:txBody>
+          <a:bodyPr/>
+          <a:lstStyle/>
+          <a:p>
+            <a:fld id="{8DFA3EA4-B6C4-C846-9553-F553F20D11CE}" type="slidenum">
+              <a:rPr lang="en-US" smtClean="0"/>
+              <a:t>13</a:t>
+            </a:fld>
+            <a:endParaRPr lang="en-US"/>
+          </a:p>
+        </p:txBody>
+      </p:sp>
+    </p:spTree>
+    <p:extLst>
+      <p:ext uri="{BB962C8B-B14F-4D97-AF65-F5344CB8AC3E}">
+        <p14:creationId xmlns:p14="http://schemas.microsoft.com/office/powerpoint/2010/main" val="3822676089"/>
+      </p:ext>
+    </p:extLst>
+  </p:cSld>
+  <p:clrMapOvr>
+    <a:masterClrMapping/>
+  </p:clrMapOvr>
+</p:notes>
+</file>
+
 <file path=ppt/notesSlides/notesSlide2.xml><?xml version="1.0" encoding="utf-8"?>
 <p:notes xmlns:a="http://schemas.openxmlformats.org/drawingml/2006/main" xmlns:r="http://schemas.openxmlformats.org/officeDocument/2006/relationships" xmlns:p="http://schemas.openxmlformats.org/presentationml/2006/main">
   <p:cSld>
@@ -636,134 +915,6 @@
           <a:bodyPr/>
           <a:lstStyle/>
           <a:p>
-            <a:pPr marL="171450" indent="-171450">
-              <a:buFontTx/>
-              <a:buChar char="-"/>
-            </a:pPr>
-            <a:r>
-              <a:rPr lang="en-US" sz="1200" b="0" i="0" kern="1200" dirty="0">
-                <a:solidFill>
-                  <a:schemeClr val="tx1"/>
-                </a:solidFill>
-                <a:effectLst/>
-                <a:latin typeface="+mn-lt"/>
-                <a:ea typeface="+mn-ea"/>
-                <a:cs typeface="+mn-cs"/>
-              </a:rPr>
-              <a:t>ORM provides a series of data types, and interfaces to access the tables and manipulate the data: </a:t>
-            </a:r>
-            <a:r>
-              <a:rPr lang="en-US" sz="1200" b="0" i="0" kern="1200" dirty="0" err="1">
-                <a:solidFill>
-                  <a:schemeClr val="tx1"/>
-                </a:solidFill>
-                <a:effectLst/>
-                <a:latin typeface="+mn-lt"/>
-                <a:ea typeface="+mn-ea"/>
-                <a:cs typeface="+mn-cs"/>
-              </a:rPr>
-              <a:t>DbContext</a:t>
-            </a:r>
-            <a:r>
-              <a:rPr lang="en-US" sz="1200" b="0" i="0" kern="1200" dirty="0">
-                <a:solidFill>
-                  <a:schemeClr val="tx1"/>
-                </a:solidFill>
-                <a:effectLst/>
-                <a:latin typeface="+mn-lt"/>
-                <a:ea typeface="+mn-ea"/>
-                <a:cs typeface="+mn-cs"/>
-              </a:rPr>
-              <a:t>, </a:t>
-            </a:r>
-            <a:r>
-              <a:rPr lang="en-US" sz="1200" b="0" i="0" kern="1200" dirty="0" err="1">
-                <a:solidFill>
-                  <a:schemeClr val="tx1"/>
-                </a:solidFill>
-                <a:effectLst/>
-                <a:latin typeface="+mn-lt"/>
-                <a:ea typeface="+mn-ea"/>
-                <a:cs typeface="+mn-cs"/>
-              </a:rPr>
-              <a:t>DbSets</a:t>
-            </a:r>
-            <a:r>
-              <a:rPr lang="en-US" sz="1200" b="0" i="0" kern="1200" dirty="0">
-                <a:solidFill>
-                  <a:schemeClr val="tx1"/>
-                </a:solidFill>
-                <a:effectLst/>
-                <a:latin typeface="+mn-lt"/>
-                <a:ea typeface="+mn-ea"/>
-                <a:cs typeface="+mn-cs"/>
-              </a:rPr>
-              <a:t>&lt;Movie&gt;</a:t>
-            </a:r>
-            <a:endParaRPr lang="en-US" dirty="0"/>
-          </a:p>
-          <a:p>
-            <a:pPr marL="171450" indent="-171450">
-              <a:buFontTx/>
-              <a:buChar char="-"/>
-            </a:pPr>
-            <a:r>
-              <a:rPr lang="en-US" dirty="0"/>
-              <a:t>ORM tools do not know what is the desired database schema. They rely on the default behavior. For example an entity property that is called “Id”  might be the primary key or might not</a:t>
-            </a:r>
-          </a:p>
-          <a:p>
-            <a:pPr marL="171450" marR="0" lvl="0" indent="-171450" algn="l" defTabSz="914400" rtl="0" eaLnBrk="1" fontAlgn="auto" latinLnBrk="0" hangingPunct="1">
-              <a:lnSpc>
-                <a:spcPct val="100000"/>
-              </a:lnSpc>
-              <a:spcBef>
-                <a:spcPts val="0"/>
-              </a:spcBef>
-              <a:spcAft>
-                <a:spcPts val="0"/>
-              </a:spcAft>
-              <a:buClrTx/>
-              <a:buSzTx/>
-              <a:buFontTx/>
-              <a:buChar char="-"/>
-              <a:tabLst/>
-              <a:defRPr/>
-            </a:pPr>
-            <a:r>
-              <a:rPr lang="en-US" dirty="0"/>
-              <a:t>Show the students how to implement the </a:t>
-            </a:r>
-            <a:r>
-              <a:rPr lang="en-US" sz="1200" b="0" kern="1200" dirty="0" err="1">
-                <a:solidFill>
-                  <a:schemeClr val="tx1"/>
-                </a:solidFill>
-                <a:effectLst/>
-                <a:latin typeface="+mn-lt"/>
-                <a:ea typeface="+mn-ea"/>
-                <a:cs typeface="+mn-cs"/>
-              </a:rPr>
-              <a:t>OnModelCreating</a:t>
-            </a:r>
-            <a:r>
-              <a:rPr lang="en-US" dirty="0"/>
-              <a:t>() method</a:t>
-            </a:r>
-          </a:p>
-          <a:p>
-            <a:pPr marL="171450" indent="-171450">
-              <a:buFontTx/>
-              <a:buChar char="-"/>
-            </a:pPr>
-            <a:r>
-              <a:rPr lang="en-US" dirty="0"/>
-              <a:t>Show the students how to define a primary key and sequences </a:t>
-            </a:r>
-            <a:r>
-              <a:rPr lang="en-US" dirty="0" err="1"/>
-              <a:t>manuall</a:t>
-            </a:r>
             <a:endParaRPr lang="en-US" dirty="0"/>
           </a:p>
         </p:txBody>
@@ -785,7 +936,7 @@
           <a:p>
             <a:fld id="{8DFA3EA4-B6C4-C846-9553-F553F20D11CE}" type="slidenum">
               <a:rPr lang="en-US" smtClean="0"/>
-              <a:t>5</a:t>
+              <a:t>3</a:t>
             </a:fld>
             <a:endParaRPr lang="en-US"/>
           </a:p>
@@ -794,7 +945,7 @@
     </p:spTree>
     <p:extLst>
       <p:ext uri="{BB962C8B-B14F-4D97-AF65-F5344CB8AC3E}">
-        <p14:creationId xmlns:p14="http://schemas.microsoft.com/office/powerpoint/2010/main" val="2044546021"/>
+        <p14:creationId xmlns:p14="http://schemas.microsoft.com/office/powerpoint/2010/main" val="164281275"/>
       </p:ext>
     </p:extLst>
   </p:cSld>
@@ -970,8 +1121,13 @@
             </a:pPr>
             <a:r>
               <a:rPr lang="en-US" dirty="0"/>
-              <a:t>Show the students how to define a primary key and sequences manual</a:t>
-            </a:r>
+              <a:t>Show the students how to define a primary key and sequences </a:t>
+            </a:r>
+            <a:r>
+              <a:rPr lang="en-US" dirty="0" err="1"/>
+              <a:t>manuall</a:t>
+            </a:r>
+            <a:endParaRPr lang="en-US" dirty="0"/>
           </a:p>
         </p:txBody>
       </p:sp>
@@ -992,7 +1148,7 @@
           <a:p>
             <a:fld id="{8DFA3EA4-B6C4-C846-9553-F553F20D11CE}" type="slidenum">
               <a:rPr lang="en-US" smtClean="0"/>
-              <a:t>6</a:t>
+              <a:t>5</a:t>
             </a:fld>
             <a:endParaRPr lang="en-US"/>
           </a:p>
@@ -1001,7 +1157,7 @@
     </p:spTree>
     <p:extLst>
       <p:ext uri="{BB962C8B-B14F-4D97-AF65-F5344CB8AC3E}">
-        <p14:creationId xmlns:p14="http://schemas.microsoft.com/office/powerpoint/2010/main" val="432770575"/>
+        <p14:creationId xmlns:p14="http://schemas.microsoft.com/office/powerpoint/2010/main" val="2044546021"/>
       </p:ext>
     </p:extLst>
   </p:cSld>
@@ -1177,13 +1333,8 @@
             </a:pPr>
             <a:r>
               <a:rPr lang="en-US" dirty="0"/>
-              <a:t>Show the students how to define a primary key and sequences </a:t>
-            </a:r>
-            <a:r>
-              <a:rPr lang="en-US" dirty="0" err="1"/>
-              <a:t>manuall</a:t>
-            </a:r>
-            <a:endParaRPr lang="en-US" dirty="0"/>
+              <a:t>Show the students how to define a primary key and sequences manual</a:t>
+            </a:r>
           </a:p>
         </p:txBody>
       </p:sp>
@@ -1204,7 +1355,7 @@
           <a:p>
             <a:fld id="{8DFA3EA4-B6C4-C846-9553-F553F20D11CE}" type="slidenum">
               <a:rPr lang="en-US" smtClean="0"/>
-              <a:t>7</a:t>
+              <a:t>6</a:t>
             </a:fld>
             <a:endParaRPr lang="en-US"/>
           </a:p>
@@ -1213,7 +1364,7 @@
     </p:spTree>
     <p:extLst>
       <p:ext uri="{BB962C8B-B14F-4D97-AF65-F5344CB8AC3E}">
-        <p14:creationId xmlns:p14="http://schemas.microsoft.com/office/powerpoint/2010/main" val="206744972"/>
+        <p14:creationId xmlns:p14="http://schemas.microsoft.com/office/powerpoint/2010/main" val="432770575"/>
       </p:ext>
     </p:extLst>
   </p:cSld>
@@ -1267,7 +1418,84 @@
           <a:bodyPr/>
           <a:lstStyle/>
           <a:p>
-            <a:pPr marL="0" marR="0" lvl="0" indent="0" algn="l" defTabSz="914400" rtl="0" eaLnBrk="1" fontAlgn="auto" latinLnBrk="0" hangingPunct="1">
+            <a:pPr marL="171450" indent="-171450">
+              <a:buFontTx/>
+              <a:buChar char="-"/>
+            </a:pPr>
+            <a:r>
+              <a:rPr lang="en-US" sz="1200" b="0" i="0" kern="1200" dirty="0">
+                <a:solidFill>
+                  <a:schemeClr val="tx1"/>
+                </a:solidFill>
+                <a:effectLst/>
+                <a:latin typeface="+mn-lt"/>
+                <a:ea typeface="+mn-ea"/>
+                <a:cs typeface="+mn-cs"/>
+              </a:rPr>
+              <a:t>ORM provides a series of data types, and interfaces to access the tables and manipulate the data: </a:t>
+            </a:r>
+            <a:r>
+              <a:rPr lang="en-US" sz="1200" b="0" i="0" kern="1200" dirty="0" err="1">
+                <a:solidFill>
+                  <a:schemeClr val="tx1"/>
+                </a:solidFill>
+                <a:effectLst/>
+                <a:latin typeface="+mn-lt"/>
+                <a:ea typeface="+mn-ea"/>
+                <a:cs typeface="+mn-cs"/>
+              </a:rPr>
+              <a:t>DbContext</a:t>
+            </a:r>
+            <a:r>
+              <a:rPr lang="en-US" sz="1200" b="0" i="0" kern="1200" dirty="0">
+                <a:solidFill>
+                  <a:schemeClr val="tx1"/>
+                </a:solidFill>
+                <a:effectLst/>
+                <a:latin typeface="+mn-lt"/>
+                <a:ea typeface="+mn-ea"/>
+                <a:cs typeface="+mn-cs"/>
+              </a:rPr>
+              <a:t>, </a:t>
+            </a:r>
+            <a:r>
+              <a:rPr lang="en-US" sz="1200" b="0" i="0" kern="1200" dirty="0" err="1">
+                <a:solidFill>
+                  <a:schemeClr val="tx1"/>
+                </a:solidFill>
+                <a:effectLst/>
+                <a:latin typeface="+mn-lt"/>
+                <a:ea typeface="+mn-ea"/>
+                <a:cs typeface="+mn-cs"/>
+              </a:rPr>
+              <a:t>DbSets</a:t>
+            </a:r>
+            <a:r>
+              <a:rPr lang="en-US" sz="1200" b="0" i="0" kern="1200" dirty="0">
+                <a:solidFill>
+                  <a:schemeClr val="tx1"/>
+                </a:solidFill>
+                <a:effectLst/>
+                <a:latin typeface="+mn-lt"/>
+                <a:ea typeface="+mn-ea"/>
+                <a:cs typeface="+mn-cs"/>
+              </a:rPr>
+              <a:t>&lt;Movie&gt;</a:t>
+            </a:r>
+            <a:endParaRPr lang="en-US" dirty="0"/>
+          </a:p>
+          <a:p>
+            <a:pPr marL="171450" indent="-171450">
+              <a:buFontTx/>
+              <a:buChar char="-"/>
+            </a:pPr>
+            <a:r>
+              <a:rPr lang="en-US" dirty="0"/>
+              <a:t>ORM tools do not know what is the desired database schema. They rely on the default behavior. For example an entity property that is called “Id”  might be the primary key or might not</a:t>
+            </a:r>
+          </a:p>
+          <a:p>
+            <a:pPr marL="171450" marR="0" lvl="0" indent="-171450" algn="l" defTabSz="914400" rtl="0" eaLnBrk="1" fontAlgn="auto" latinLnBrk="0" hangingPunct="1">
               <a:lnSpc>
                 <a:spcPct val="100000"/>
               </a:lnSpc>
@@ -1280,10 +1508,44 @@
               <a:buClrTx/>
               <a:buSzTx/>
               <a:buFontTx/>
-              <a:buNone/>
+              <a:buChar char="-"/>
               <a:tabLst/>
               <a:defRPr/>
             </a:pPr>
+            <a:r>
+              <a:rPr lang="en-US" dirty="0"/>
+              <a:t>Show the students how to implement the </a:t>
+            </a:r>
+            <a:r>
+              <a:rPr lang="en-US" sz="1200" b="0" kern="1200" dirty="0" err="1">
+                <a:solidFill>
+                  <a:schemeClr val="tx1"/>
+                </a:solidFill>
+                <a:effectLst/>
+                <a:latin typeface="+mn-lt"/>
+                <a:ea typeface="+mn-ea"/>
+                <a:cs typeface="+mn-cs"/>
+              </a:rPr>
+              <a:t>OnModelCreating</a:t>
+            </a:r>
+            <a:r>
+              <a:rPr lang="en-US" dirty="0"/>
+              <a:t>() method</a:t>
+            </a:r>
+          </a:p>
+          <a:p>
+            <a:pPr marL="171450" indent="-171450">
+              <a:buFontTx/>
+              <a:buChar char="-"/>
+            </a:pPr>
+            <a:r>
+              <a:rPr lang="en-US" dirty="0"/>
+              <a:t>Show the students how to define a primary key and sequences </a:t>
+            </a:r>
+            <a:r>
+              <a:rPr lang="en-US" dirty="0" err="1"/>
+              <a:t>manuall</a:t>
+            </a:r>
             <a:endParaRPr lang="en-US" dirty="0"/>
           </a:p>
         </p:txBody>
@@ -1305,7 +1567,7 @@
           <a:p>
             <a:fld id="{8DFA3EA4-B6C4-C846-9553-F553F20D11CE}" type="slidenum">
               <a:rPr lang="en-US" smtClean="0"/>
-              <a:t>9</a:t>
+              <a:t>7</a:t>
             </a:fld>
             <a:endParaRPr lang="en-US"/>
           </a:p>
@@ -1314,7 +1576,7 @@
     </p:spTree>
     <p:extLst>
       <p:ext uri="{BB962C8B-B14F-4D97-AF65-F5344CB8AC3E}">
-        <p14:creationId xmlns:p14="http://schemas.microsoft.com/office/powerpoint/2010/main" val="3394155848"/>
+        <p14:creationId xmlns:p14="http://schemas.microsoft.com/office/powerpoint/2010/main" val="206744972"/>
       </p:ext>
     </p:extLst>
   </p:cSld>
@@ -1368,29 +1630,22 @@
           <a:bodyPr/>
           <a:lstStyle/>
           <a:p>
-            <a:pPr marL="171450" indent="-171450">
+            <a:pPr marL="0" marR="0" lvl="0" indent="0" algn="l" defTabSz="914400" rtl="0" eaLnBrk="1" fontAlgn="auto" latinLnBrk="0" hangingPunct="1">
+              <a:lnSpc>
+                <a:spcPct val="100000"/>
+              </a:lnSpc>
+              <a:spcBef>
+                <a:spcPts val="0"/>
+              </a:spcBef>
+              <a:spcAft>
+                <a:spcPts val="0"/>
+              </a:spcAft>
+              <a:buClrTx/>
+              <a:buSzTx/>
               <a:buFontTx/>
-              <a:buChar char="-"/>
-            </a:pPr>
-            <a:r>
-              <a:rPr lang="en-US" dirty="0"/>
-              <a:t>Do not use root user credentials in your implementation</a:t>
-            </a:r>
-          </a:p>
-          <a:p>
-            <a:pPr marL="171450" indent="-171450">
-              <a:buFontTx/>
-              <a:buChar char="-"/>
-            </a:pPr>
-            <a:r>
-              <a:rPr lang="en-US" dirty="0"/>
-              <a:t>Configuration data needs to be adjusted without recompiling </a:t>
-            </a:r>
-          </a:p>
-          <a:p>
-            <a:pPr marL="171450" indent="-171450">
-              <a:buFontTx/>
-              <a:buChar char="-"/>
+              <a:buNone/>
+              <a:tabLst/>
+              <a:defRPr/>
             </a:pPr>
             <a:endParaRPr lang="en-US" dirty="0"/>
           </a:p>
@@ -1413,7 +1668,7 @@
           <a:p>
             <a:fld id="{8DFA3EA4-B6C4-C846-9553-F553F20D11CE}" type="slidenum">
               <a:rPr lang="en-US" smtClean="0"/>
-              <a:t>10</a:t>
+              <a:t>9</a:t>
             </a:fld>
             <a:endParaRPr lang="en-US"/>
           </a:p>
@@ -1422,7 +1677,7 @@
     </p:spTree>
     <p:extLst>
       <p:ext uri="{BB962C8B-B14F-4D97-AF65-F5344CB8AC3E}">
-        <p14:creationId xmlns:p14="http://schemas.microsoft.com/office/powerpoint/2010/main" val="2311750972"/>
+        <p14:creationId xmlns:p14="http://schemas.microsoft.com/office/powerpoint/2010/main" val="3394155848"/>
       </p:ext>
     </p:extLst>
   </p:cSld>
@@ -1476,68 +1731,29 @@
           <a:bodyPr/>
           <a:lstStyle/>
           <a:p>
-            <a:pPr marL="0" marR="0" lvl="0" indent="0" algn="l" defTabSz="914400" rtl="0" eaLnBrk="1" fontAlgn="auto" latinLnBrk="0" hangingPunct="1">
-              <a:lnSpc>
-                <a:spcPct val="100000"/>
-              </a:lnSpc>
-              <a:spcBef>
-                <a:spcPts val="0"/>
-              </a:spcBef>
-              <a:spcAft>
-                <a:spcPts val="0"/>
-              </a:spcAft>
-              <a:buClrTx/>
-              <a:buSzTx/>
+            <a:pPr marL="171450" indent="-171450">
               <a:buFontTx/>
-              <a:buNone/>
-              <a:tabLst/>
-              <a:defRPr/>
+              <a:buChar char="-"/>
             </a:pPr>
             <a:r>
               <a:rPr lang="en-US" dirty="0"/>
-              <a:t>Deep understanding of the ORM framework : such as preventing SQL injections, queries execution, Lazy evaluation cause performance issues in some cases, etc. </a:t>
-            </a:r>
-          </a:p>
-          <a:p>
-            <a:pPr marL="0" marR="0" lvl="0" indent="0" algn="l" defTabSz="914400" rtl="0" eaLnBrk="1" fontAlgn="auto" latinLnBrk="0" hangingPunct="1">
-              <a:lnSpc>
-                <a:spcPct val="100000"/>
-              </a:lnSpc>
-              <a:spcBef>
-                <a:spcPts val="0"/>
-              </a:spcBef>
-              <a:spcAft>
-                <a:spcPts val="0"/>
-              </a:spcAft>
-              <a:buClrTx/>
-              <a:buSzTx/>
+              <a:t>Do not use root user credentials in your implementation</a:t>
+            </a:r>
+          </a:p>
+          <a:p>
+            <a:pPr marL="171450" indent="-171450">
               <a:buFontTx/>
-              <a:buNone/>
-              <a:tabLst/>
-              <a:defRPr/>
+              <a:buChar char="-"/>
             </a:pPr>
             <a:r>
               <a:rPr lang="en-US" dirty="0"/>
-              <a:t>Mismatch: string or char to varchar or other string types that are not supported in programming languages</a:t>
-            </a:r>
-          </a:p>
-          <a:p>
-            <a:pPr marL="0" marR="0" lvl="0" indent="0" algn="l" defTabSz="914400" rtl="0" eaLnBrk="1" fontAlgn="auto" latinLnBrk="0" hangingPunct="1">
-              <a:lnSpc>
-                <a:spcPct val="100000"/>
-              </a:lnSpc>
-              <a:spcBef>
-                <a:spcPts val="0"/>
-              </a:spcBef>
-              <a:spcAft>
-                <a:spcPts val="0"/>
-              </a:spcAft>
-              <a:buClrTx/>
-              <a:buSzTx/>
+              <a:t>Configuration data needs to be adjusted without recompiling </a:t>
+            </a:r>
+          </a:p>
+          <a:p>
+            <a:pPr marL="171450" indent="-171450">
               <a:buFontTx/>
-              <a:buNone/>
-              <a:tabLst/>
-              <a:defRPr/>
+              <a:buChar char="-"/>
             </a:pPr>
             <a:endParaRPr lang="en-US" dirty="0"/>
           </a:p>
@@ -1560,7 +1776,7 @@
           <a:p>
             <a:fld id="{8DFA3EA4-B6C4-C846-9553-F553F20D11CE}" type="slidenum">
               <a:rPr lang="en-US" smtClean="0"/>
-              <a:t>11</a:t>
+              <a:t>10</a:t>
             </a:fld>
             <a:endParaRPr lang="en-US"/>
           </a:p>
@@ -1569,7 +1785,7 @@
     </p:spTree>
     <p:extLst>
       <p:ext uri="{BB962C8B-B14F-4D97-AF65-F5344CB8AC3E}">
-        <p14:creationId xmlns:p14="http://schemas.microsoft.com/office/powerpoint/2010/main" val="1371802242"/>
+        <p14:creationId xmlns:p14="http://schemas.microsoft.com/office/powerpoint/2010/main" val="2311750972"/>
       </p:ext>
     </p:extLst>
   </p:cSld>
@@ -1623,10 +1839,70 @@
           <a:bodyPr/>
           <a:lstStyle/>
           <a:p>
-            <a:r>
-              <a:rPr lang="en-US" dirty="0"/>
-              <a:t>Result will be downloaded </a:t>
-            </a:r>
+            <a:pPr marL="0" marR="0" lvl="0" indent="0" algn="l" defTabSz="914400" rtl="0" eaLnBrk="1" fontAlgn="auto" latinLnBrk="0" hangingPunct="1">
+              <a:lnSpc>
+                <a:spcPct val="100000"/>
+              </a:lnSpc>
+              <a:spcBef>
+                <a:spcPts val="0"/>
+              </a:spcBef>
+              <a:spcAft>
+                <a:spcPts val="0"/>
+              </a:spcAft>
+              <a:buClrTx/>
+              <a:buSzTx/>
+              <a:buFontTx/>
+              <a:buNone/>
+              <a:tabLst/>
+              <a:defRPr/>
+            </a:pPr>
+            <a:r>
+              <a:rPr lang="en-US" dirty="0"/>
+              <a:t>Deep understanding of the ORM framework : such as preventing SQL injections, queries execution, Lazy evaluation cause performance issues in some cases, etc. </a:t>
+            </a:r>
+          </a:p>
+          <a:p>
+            <a:pPr marL="0" marR="0" lvl="0" indent="0" algn="l" defTabSz="914400" rtl="0" eaLnBrk="1" fontAlgn="auto" latinLnBrk="0" hangingPunct="1">
+              <a:lnSpc>
+                <a:spcPct val="100000"/>
+              </a:lnSpc>
+              <a:spcBef>
+                <a:spcPts val="0"/>
+              </a:spcBef>
+              <a:spcAft>
+                <a:spcPts val="0"/>
+              </a:spcAft>
+              <a:buClrTx/>
+              <a:buSzTx/>
+              <a:buFontTx/>
+              <a:buNone/>
+              <a:tabLst/>
+              <a:defRPr/>
+            </a:pPr>
+            <a:r>
+              <a:rPr lang="en-US" dirty="0"/>
+              <a:t>Mismatch: string or char to varchar or other string types that are not supported in programming languages</a:t>
+            </a:r>
+          </a:p>
+          <a:p>
+            <a:pPr marL="0" marR="0" lvl="0" indent="0" algn="l" defTabSz="914400" rtl="0" eaLnBrk="1" fontAlgn="auto" latinLnBrk="0" hangingPunct="1">
+              <a:lnSpc>
+                <a:spcPct val="100000"/>
+              </a:lnSpc>
+              <a:spcBef>
+                <a:spcPts val="0"/>
+              </a:spcBef>
+              <a:spcAft>
+                <a:spcPts val="0"/>
+              </a:spcAft>
+              <a:buClrTx/>
+              <a:buSzTx/>
+              <a:buFontTx/>
+              <a:buNone/>
+              <a:tabLst/>
+              <a:defRPr/>
+            </a:pPr>
+            <a:endParaRPr lang="en-US" dirty="0"/>
           </a:p>
         </p:txBody>
       </p:sp>
@@ -1647,7 +1923,7 @@
           <a:p>
             <a:fld id="{8DFA3EA4-B6C4-C846-9553-F553F20D11CE}" type="slidenum">
               <a:rPr lang="en-US" smtClean="0"/>
-              <a:t>12</a:t>
+              <a:t>11</a:t>
             </a:fld>
             <a:endParaRPr lang="en-US"/>
           </a:p>
@@ -1656,7 +1932,7 @@
     </p:spTree>
     <p:extLst>
       <p:ext uri="{BB962C8B-B14F-4D97-AF65-F5344CB8AC3E}">
-        <p14:creationId xmlns:p14="http://schemas.microsoft.com/office/powerpoint/2010/main" val="3863193326"/>
+        <p14:creationId xmlns:p14="http://schemas.microsoft.com/office/powerpoint/2010/main" val="1371802242"/>
       </p:ext>
     </p:extLst>
   </p:cSld>
@@ -1710,202 +1986,10 @@
           <a:bodyPr/>
           <a:lstStyle/>
           <a:p>
-            <a:pPr marL="0" marR="0" lvl="0" indent="0" algn="l" defTabSz="914400" rtl="0" eaLnBrk="1" fontAlgn="auto" latinLnBrk="0" hangingPunct="1">
-              <a:lnSpc>
-                <a:spcPct val="100000"/>
-              </a:lnSpc>
-              <a:spcBef>
-                <a:spcPts val="0"/>
-              </a:spcBef>
-              <a:spcAft>
-                <a:spcPts val="0"/>
-              </a:spcAft>
-              <a:buClrTx/>
-              <a:buSzTx/>
-              <a:buFontTx/>
-              <a:buNone/>
-              <a:tabLst/>
-              <a:defRPr/>
-            </a:pPr>
-            <a:r>
-              <a:rPr lang="en-US" dirty="0"/>
-              <a:t> </a:t>
-            </a:r>
-            <a:r>
-              <a:rPr lang="en-US" dirty="0" err="1"/>
-              <a:t>IQuarable</a:t>
-            </a:r>
-            <a:r>
-              <a:rPr lang="en-US" dirty="0"/>
-              <a:t>&lt;T&gt; </a:t>
-            </a:r>
-            <a:r>
-              <a:rPr lang="en-US" sz="1200" b="0" i="0" kern="1200" dirty="0">
-                <a:solidFill>
-                  <a:schemeClr val="tx1"/>
-                </a:solidFill>
-                <a:effectLst/>
-                <a:latin typeface="+mn-lt"/>
-                <a:ea typeface="+mn-ea"/>
-                <a:cs typeface="+mn-cs"/>
-              </a:rPr>
-              <a:t>You can transform an </a:t>
-            </a:r>
-            <a:r>
-              <a:rPr lang="en-US" sz="1200" b="0" i="0" kern="1200" dirty="0" err="1">
-                <a:solidFill>
-                  <a:schemeClr val="tx1"/>
-                </a:solidFill>
-                <a:effectLst/>
-                <a:latin typeface="+mn-lt"/>
-                <a:ea typeface="+mn-ea"/>
-                <a:cs typeface="+mn-cs"/>
-              </a:rPr>
-              <a:t>int</a:t>
-            </a:r>
-            <a:r>
-              <a:rPr lang="en-US" sz="1200" b="0" i="0" kern="1200" dirty="0">
-                <a:solidFill>
-                  <a:schemeClr val="tx1"/>
-                </a:solidFill>
-                <a:effectLst/>
-                <a:latin typeface="+mn-lt"/>
-                <a:ea typeface="+mn-ea"/>
-                <a:cs typeface="+mn-cs"/>
-              </a:rPr>
-              <a:t> -&gt; string or a </a:t>
-            </a:r>
-            <a:r>
-              <a:rPr lang="en-US" dirty="0"/>
-              <a:t>List&lt;</a:t>
-            </a:r>
-            <a:r>
-              <a:rPr lang="en-US" dirty="0" err="1"/>
-              <a:t>Int</a:t>
-            </a:r>
-            <a:r>
-              <a:rPr lang="en-US" dirty="0"/>
-              <a:t>&gt;</a:t>
-            </a:r>
-            <a:r>
-              <a:rPr lang="en-US" sz="1200" b="0" i="0" kern="1200" dirty="0">
-                <a:solidFill>
-                  <a:schemeClr val="tx1"/>
-                </a:solidFill>
-                <a:effectLst/>
-                <a:latin typeface="+mn-lt"/>
-                <a:ea typeface="+mn-ea"/>
-                <a:cs typeface="+mn-cs"/>
-              </a:rPr>
-              <a:t> to a </a:t>
-            </a:r>
-            <a:r>
-              <a:rPr lang="en-US" dirty="0"/>
-              <a:t>List&lt;string&gt;</a:t>
-            </a:r>
-            <a:r>
-              <a:rPr lang="en-US" sz="1200" b="0" i="0" kern="1200" dirty="0">
-                <a:solidFill>
-                  <a:schemeClr val="tx1"/>
-                </a:solidFill>
-                <a:effectLst/>
-                <a:latin typeface="+mn-lt"/>
-                <a:ea typeface="+mn-ea"/>
-                <a:cs typeface="+mn-cs"/>
-              </a:rPr>
-              <a:t>. This transformation </a:t>
-            </a:r>
-            <a:r>
-              <a:rPr lang="en-US" sz="1200" b="0" i="0" kern="1200" dirty="0" err="1">
-                <a:solidFill>
-                  <a:schemeClr val="tx1"/>
-                </a:solidFill>
-                <a:effectLst/>
-                <a:latin typeface="+mn-lt"/>
-                <a:ea typeface="+mn-ea"/>
-                <a:cs typeface="+mn-cs"/>
-              </a:rPr>
-              <a:t>pereserve</a:t>
-            </a:r>
-            <a:r>
-              <a:rPr lang="en-US" sz="1200" b="0" i="0" kern="1200" dirty="0">
-                <a:solidFill>
-                  <a:schemeClr val="tx1"/>
-                </a:solidFill>
-                <a:effectLst/>
-                <a:latin typeface="+mn-lt"/>
-                <a:ea typeface="+mn-ea"/>
-                <a:cs typeface="+mn-cs"/>
-              </a:rPr>
-              <a:t> the structure. This means that the resulting object is also a list, and the order of values within the lists doesn't change.</a:t>
-            </a:r>
-            <a:endParaRPr lang="en-US" dirty="0"/>
-          </a:p>
-          <a:p>
-            <a:pPr marL="0" marR="0" lvl="0" indent="0" algn="l" defTabSz="914400" rtl="0" eaLnBrk="1" fontAlgn="auto" latinLnBrk="0" hangingPunct="1">
-              <a:lnSpc>
-                <a:spcPct val="100000"/>
-              </a:lnSpc>
-              <a:spcBef>
-                <a:spcPts val="0"/>
-              </a:spcBef>
-              <a:spcAft>
-                <a:spcPts val="0"/>
-              </a:spcAft>
-              <a:buClrTx/>
-              <a:buSzTx/>
-              <a:buFontTx/>
-              <a:buNone/>
-              <a:tabLst/>
-              <a:defRPr/>
-            </a:pPr>
-            <a:endParaRPr lang="en-US" dirty="0"/>
-          </a:p>
-          <a:p>
-            <a:pPr marL="0" marR="0" lvl="0" indent="0" algn="l" defTabSz="914400" rtl="0" eaLnBrk="1" fontAlgn="auto" latinLnBrk="0" hangingPunct="1">
-              <a:lnSpc>
-                <a:spcPct val="100000"/>
-              </a:lnSpc>
-              <a:spcBef>
-                <a:spcPts val="0"/>
-              </a:spcBef>
-              <a:spcAft>
-                <a:spcPts val="0"/>
-              </a:spcAft>
-              <a:buClrTx/>
-              <a:buSzTx/>
-              <a:buFontTx/>
-              <a:buNone/>
-              <a:tabLst/>
-              <a:defRPr/>
-            </a:pPr>
-            <a:r>
-              <a:rPr lang="en-US" dirty="0" err="1"/>
-              <a:t>IQuerable</a:t>
-            </a:r>
-            <a:r>
-              <a:rPr lang="en-US" dirty="0"/>
-              <a:t>&lt;List&lt;</a:t>
-            </a:r>
-            <a:r>
-              <a:rPr lang="en-US" dirty="0" err="1"/>
-              <a:t>int</a:t>
-            </a:r>
-            <a:r>
-              <a:rPr lang="en-US" dirty="0"/>
-              <a:t>&gt;&gt; =&gt;  </a:t>
-            </a:r>
-            <a:r>
-              <a:rPr lang="en-US" dirty="0" err="1"/>
-              <a:t>IQuerable</a:t>
-            </a:r>
-            <a:r>
-              <a:rPr lang="en-US" dirty="0"/>
-              <a:t>&lt;List&lt;string&gt;&gt;</a:t>
-            </a:r>
-          </a:p>
-          <a:p>
-            <a:endParaRPr lang="en-US" dirty="0"/>
+            <a:r>
+              <a:rPr lang="en-US" dirty="0"/>
+              <a:t>Result will be downloaded </a:t>
+            </a:r>
           </a:p>
         </p:txBody>
       </p:sp>
@@ -1926,7 +2010,7 @@
           <a:p>
             <a:fld id="{8DFA3EA4-B6C4-C846-9553-F553F20D11CE}" type="slidenum">
               <a:rPr lang="en-US" smtClean="0"/>
-              <a:t>13</a:t>
+              <a:t>12</a:t>
             </a:fld>
             <a:endParaRPr lang="en-US"/>
           </a:p>
@@ -1935,7 +2019,7 @@
     </p:spTree>
     <p:extLst>
       <p:ext uri="{BB962C8B-B14F-4D97-AF65-F5344CB8AC3E}">
-        <p14:creationId xmlns:p14="http://schemas.microsoft.com/office/powerpoint/2010/main" val="3822676089"/>
+        <p14:creationId xmlns:p14="http://schemas.microsoft.com/office/powerpoint/2010/main" val="3863193326"/>
       </p:ext>
     </p:extLst>
   </p:cSld>
@@ -5205,10 +5289,15 @@
         </p:nvSpPr>
         <p:spPr/>
         <p:txBody>
-          <a:bodyPr/>
-          <a:lstStyle/>
-          <a:p>
-            <a:endParaRPr lang="en-US"/>
+          <a:bodyPr>
+            <a:normAutofit/>
+          </a:bodyPr>
+          <a:lstStyle/>
+          <a:p>
+            <a:r>
+              <a:rPr lang="en-US" sz="3000" dirty="0"/>
+              <a:t>INFDEV04-5</a:t>
+            </a:r>
           </a:p>
         </p:txBody>
       </p:sp>
@@ -5955,18 +6044,25 @@
         </p:nvSpPr>
         <p:spPr>
           <a:xfrm>
-            <a:off x="1981200" y="274638"/>
-            <a:ext cx="8229600" cy="1143002"/>
+            <a:off x="1506071" y="274638"/>
+            <a:ext cx="8704729" cy="1143002"/>
           </a:xfrm>
           <a:prstGeom prst="rect">
             <a:avLst/>
           </a:prstGeom>
         </p:spPr>
         <p:txBody>
-          <a:bodyPr/>
-          <a:lstStyle/>
-          <a:p>
-            <a:r>
+          <a:bodyPr>
+            <a:noAutofit/>
+          </a:bodyPr>
+          <a:lstStyle/>
+          <a:p>
+            <a:r>
+              <a:rPr lang="en-US" dirty="0"/>
+              <a:t>Recap: </a:t>
+            </a:r>
+            <a:r>
+              <a:rPr dirty="0"/>
               <a:t>Model-View-Controller (MVC)</a:t>
             </a:r>
           </a:p>
@@ -6181,12 +6277,14 @@
         </p:nvSpPr>
         <p:spPr/>
         <p:txBody>
-          <a:bodyPr/>
-          <a:lstStyle/>
-          <a:p>
-            <a:r>
-              <a:rPr lang="en-US" dirty="0"/>
-              <a:t>Lesson </a:t>
+          <a:bodyPr>
+            <a:normAutofit/>
+          </a:bodyPr>
+          <a:lstStyle/>
+          <a:p>
+            <a:r>
+              <a:rPr lang="en-US" dirty="0"/>
+              <a:t>Relationships in Model-View-Controller (MVC) </a:t>
             </a:r>
           </a:p>
         </p:txBody>
@@ -6214,7 +6312,7 @@
           <a:p>
             <a:r>
               <a:rPr lang="en-US" dirty="0"/>
-              <a:t>Our goal is  implementing the following relationships </a:t>
+              <a:t>We are interested in the following relationships</a:t>
             </a:r>
           </a:p>
           <a:p>
@@ -6262,13 +6360,13 @@
             <a:pPr lvl="1"/>
             <a:r>
               <a:rPr lang="en-US" dirty="0"/>
-              <a:t>Implement few queries </a:t>
-            </a:r>
-          </a:p>
-          <a:p>
-            <a:r>
-              <a:rPr lang="en-US" dirty="0"/>
-              <a:t>Your task is to learn how to implement the other relationships</a:t>
+              <a:t>Implement common queries </a:t>
+            </a:r>
+          </a:p>
+          <a:p>
+            <a:r>
+              <a:rPr lang="en-US" dirty="0"/>
+              <a:t>Your are expected to implement the remaining relationships on your own</a:t>
             </a:r>
           </a:p>
           <a:p>

--- a/Lectures/Lecture2/lesson2.pptx
+++ b/Lectures/Lecture2/lesson2.pptx
@@ -6456,7 +6456,7 @@
           <a:p>
             <a:r>
               <a:rPr lang="en-US" dirty="0"/>
-              <a:t>Implement one&lt;&gt;many relationship</a:t>
+              <a:t>Demo: Implement one&lt;&gt;many relationship</a:t>
             </a:r>
           </a:p>
         </p:txBody>
